--- a/PHP-Session-beyond-$_SESSION.pptx
+++ b/PHP-Session-beyond-$_SESSION.pptx
@@ -3987,7 +3987,7 @@
               <a:defRPr b="0" sz="2700"/>
             </a:pPr>
             <a:r>
-              <a:t>M-Tech ChE IITK</a:t>
+              <a:t>M-Tech ChE IIT-Kanpur</a:t>
             </a:r>
           </a:p>
         </p:txBody>
@@ -8328,13 +8328,28 @@
               <a:buChar char="•"/>
               <a:defRPr b="1" sz="3000">
                 <a:solidFill>
-                  <a:schemeClr val="accent5"/>
+                  <a:srgbClr val="535353"/>
                 </a:solidFill>
               </a:defRPr>
             </a:pPr>
             <a:r>
               <a:t>Scope for session attacks</a:t>
             </a:r>
+          </a:p>
+          <a:p>
+            <a:pPr algn="l" defTabSz="1999437">
+              <a:lnSpc>
+                <a:spcPct val="40000"/>
+              </a:lnSpc>
+              <a:spcBef>
+                <a:spcPts val="3600"/>
+              </a:spcBef>
+              <a:defRPr b="1" sz="3000">
+                <a:solidFill>
+                  <a:srgbClr val="535353"/>
+                </a:solidFill>
+              </a:defRPr>
+            </a:pPr>
           </a:p>
           <a:p>
             <a:pPr marL="609600" indent="-609600" algn="l">
@@ -8415,46 +8430,6 @@
             </a:pPr>
             <a:r>
               <a:t>No side effects</a:t>
-            </a:r>
-          </a:p>
-          <a:p>
-            <a:pPr lvl="2" marL="1499616" indent="-499872" algn="l" defTabSz="1999437">
-              <a:lnSpc>
-                <a:spcPct val="40000"/>
-              </a:lnSpc>
-              <a:spcBef>
-                <a:spcPts val="3600"/>
-              </a:spcBef>
-              <a:buSzPct val="123000"/>
-              <a:buChar char="•"/>
-              <a:defRPr sz="3000">
-                <a:solidFill>
-                  <a:srgbClr val="535353"/>
-                </a:solidFill>
-              </a:defRPr>
-            </a:pPr>
-            <a:r>
-              <a:t>Normal pages</a:t>
-            </a:r>
-          </a:p>
-          <a:p>
-            <a:pPr lvl="2" marL="1499616" indent="-499872" algn="l" defTabSz="1999437">
-              <a:lnSpc>
-                <a:spcPct val="40000"/>
-              </a:lnSpc>
-              <a:spcBef>
-                <a:spcPts val="3600"/>
-              </a:spcBef>
-              <a:buSzPct val="123000"/>
-              <a:buChar char="•"/>
-              <a:defRPr sz="3000">
-                <a:solidFill>
-                  <a:srgbClr val="535353"/>
-                </a:solidFill>
-              </a:defRPr>
-            </a:pPr>
-            <a:r>
-              <a:t>Authentication required pages</a:t>
             </a:r>
           </a:p>
         </p:txBody>
@@ -8611,7 +8586,7 @@
       </p:grpSpPr>
       <p:sp>
         <p:nvSpPr>
-          <p:cNvPr id="248" name="Sanitising - scope for session attacks"/>
+          <p:cNvPr id="248" name="Sanitise - scope for session attacks"/>
           <p:cNvSpPr txBox="1"/>
           <p:nvPr>
             <p:ph type="body" sz="quarter" idx="1"/>
@@ -8651,7 +8626,7 @@
                   <a:schemeClr val="accent6"/>
                 </a:solidFill>
               </a:rPr>
-              <a:t>Sanitising - scope for session attacks</a:t>
+              <a:t>Sanitise - scope for session attacks</a:t>
             </a:r>
           </a:p>
         </p:txBody>
@@ -9729,79 +9704,7 @@
       </p:sp>
       <p:sp>
         <p:nvSpPr>
-          <p:cNvPr id="256" name="GitHub - https://github.com/polygoncoin…"/>
-          <p:cNvSpPr txBox="1"/>
-          <p:nvPr/>
-        </p:nvSpPr>
-        <p:spPr>
-          <a:xfrm>
-            <a:off x="1010081" y="6270542"/>
-            <a:ext cx="21971002" cy="1924701"/>
-          </a:xfrm>
-          <a:prstGeom prst="rect">
-            <a:avLst/>
-          </a:prstGeom>
-          <a:ln w="12700">
-            <a:miter lim="400000"/>
-          </a:ln>
-          <a:extLst>
-            <a:ext uri="{C572A759-6A51-4108-AA02-DFA0A04FC94B}">
-              <ma14:wrappingTextBoxFlag xmlns:ma14="http://schemas.microsoft.com/office/mac/drawingml/2011/main" val="1"/>
-            </a:ext>
-          </a:extLst>
-        </p:spPr>
-        <p:txBody>
-          <a:bodyPr lIns="50800" tIns="50800" rIns="50800" bIns="50800">
-            <a:normAutofit fontScale="100000" lnSpcReduction="0"/>
-          </a:bodyPr>
-          <a:lstStyle/>
-          <a:p>
-            <a:pPr defTabSz="2365187">
-              <a:lnSpc>
-                <a:spcPct val="80000"/>
-              </a:lnSpc>
-              <a:defRPr spc="-77" sz="3492">
-                <a:solidFill>
-                  <a:srgbClr val="000000"/>
-                </a:solidFill>
-              </a:defRPr>
-            </a:pPr>
-            <a:r>
-              <a:t>polygon.co.in@gmail.com</a:t>
-            </a:r>
-          </a:p>
-          <a:p>
-            <a:pPr defTabSz="2365187">
-              <a:lnSpc>
-                <a:spcPct val="80000"/>
-              </a:lnSpc>
-              <a:defRPr spc="-77" sz="3492">
-                <a:solidFill>
-                  <a:srgbClr val="000000"/>
-                </a:solidFill>
-              </a:defRPr>
-            </a:pPr>
-          </a:p>
-          <a:p>
-            <a:pPr defTabSz="2365187">
-              <a:lnSpc>
-                <a:spcPct val="80000"/>
-              </a:lnSpc>
-              <a:defRPr spc="-77" sz="3492">
-                <a:solidFill>
-                  <a:srgbClr val="000000"/>
-                </a:solidFill>
-              </a:defRPr>
-            </a:pPr>
-            <a:r>
-              <a:t>https://github.com/polygoncoin</a:t>
-            </a:r>
-          </a:p>
-        </p:txBody>
-      </p:sp>
-      <p:sp>
-        <p:nvSpPr>
-          <p:cNvPr id="257" name="PHPCamp Online #1 - 13 July 2024"/>
+          <p:cNvPr id="256" name="PHPCamp Online #1 - 13 July 2024"/>
           <p:cNvSpPr txBox="1"/>
           <p:nvPr/>
         </p:nvSpPr>
@@ -9845,7 +9748,7 @@
       </p:sp>
       <p:sp>
         <p:nvSpPr>
-          <p:cNvPr id="258" name="Ramesh N Jangid…"/>
+          <p:cNvPr id="257" name="Ramesh N Jangid…"/>
           <p:cNvSpPr txBox="1"/>
           <p:nvPr>
             <p:ph type="body" sz="quarter" idx="1"/>
@@ -9876,14 +9779,14 @@
               <a:defRPr b="0" sz="2700"/>
             </a:pPr>
             <a:r>
-              <a:t>M-Tech ChE IITK</a:t>
+              <a:t>M-Tech ChE IIT-Kanpur</a:t>
             </a:r>
           </a:p>
         </p:txBody>
       </p:sp>
       <p:sp>
         <p:nvSpPr>
-          <p:cNvPr id="259" name="Credits…"/>
+          <p:cNvPr id="258" name="Credits…"/>
           <p:cNvSpPr txBox="1"/>
           <p:nvPr/>
         </p:nvSpPr>
@@ -9998,6 +9901,46 @@
             </a:pPr>
             <a:r>
               <a:t>Ketan Thaker</a:t>
+            </a:r>
+          </a:p>
+        </p:txBody>
+      </p:sp>
+      <p:sp>
+        <p:nvSpPr>
+          <p:cNvPr id="259" name="polygon.co.in@gmail.com"/>
+          <p:cNvSpPr txBox="1"/>
+          <p:nvPr/>
+        </p:nvSpPr>
+        <p:spPr>
+          <a:xfrm>
+            <a:off x="7342098" y="6472300"/>
+            <a:ext cx="8675551" cy="771400"/>
+          </a:xfrm>
+          <a:prstGeom prst="rect">
+            <a:avLst/>
+          </a:prstGeom>
+          <a:ln w="12700">
+            <a:miter lim="400000"/>
+          </a:ln>
+          <a:extLst>
+            <a:ext uri="{C572A759-6A51-4108-AA02-DFA0A04FC94B}">
+              <ma14:wrappingTextBoxFlag xmlns:ma14="http://schemas.microsoft.com/office/mac/drawingml/2011/main" val="1"/>
+            </a:ext>
+          </a:extLst>
+        </p:spPr>
+        <p:txBody>
+          <a:bodyPr lIns="50800" tIns="50800" rIns="50800" bIns="50800" anchor="ctr">
+            <a:spAutoFit/>
+          </a:bodyPr>
+          <a:lstStyle>
+            <a:lvl1pPr>
+              <a:defRPr sz="4500"/>
+            </a:lvl1pPr>
+          </a:lstStyle>
+          <a:p>
+            <a:pPr/>
+            <a:r>
+              <a:t>polygon.co.in@gmail.com</a:t>
             </a:r>
           </a:p>
         </p:txBody>
@@ -10166,7 +10109,7 @@
               </a:defRPr>
             </a:pPr>
             <a:r>
-              <a:t>Sanitising - Cross Site Scripting (XSS)</a:t>
+              <a:t>Sanitise - Cross Site Scripting (XSS)</a:t>
             </a:r>
           </a:p>
           <a:p>
@@ -10184,7 +10127,7 @@
               </a:defRPr>
             </a:pPr>
             <a:r>
-              <a:t>Sanitising - CSRF cookie access</a:t>
+              <a:t>Sanitise - CSRF cookie access</a:t>
             </a:r>
           </a:p>
           <a:p>
@@ -10238,7 +10181,7 @@
               </a:defRPr>
             </a:pPr>
             <a:r>
-              <a:t>Behaviour - Normal &amp; Read-only session</a:t>
+              <a:t>Session Behaviour - Normal &amp; Read-only</a:t>
             </a:r>
           </a:p>
           <a:p>
@@ -10256,7 +10199,7 @@
               </a:defRPr>
             </a:pPr>
             <a:r>
-              <a:t>Benchmarking - Normal &amp; Read-only session</a:t>
+              <a:t>Session Benchmarking - Normal &amp; Read-only</a:t>
             </a:r>
           </a:p>
           <a:p>
@@ -10279,7 +10222,7 @@
                   <a:schemeClr val="accent6"/>
                 </a:solidFill>
               </a:rPr>
-              <a:t>Sanitising - scope of session attack</a:t>
+              <a:t>Sanitise - scope of session attack</a:t>
             </a:r>
           </a:p>
         </p:txBody>
@@ -11237,7 +11180,7 @@
       </p:grpSpPr>
       <p:sp>
         <p:nvSpPr>
-          <p:cNvPr id="173" name="Sanitising - Cross Site Scripting (XSS)"/>
+          <p:cNvPr id="173" name="Sanitise - Cross Site Scripting (XSS)"/>
           <p:cNvSpPr txBox="1"/>
           <p:nvPr>
             <p:ph type="body" sz="quarter" idx="1"/>
@@ -11262,7 +11205,7 @@
           <a:p>
             <a:pPr/>
             <a:r>
-              <a:t>Sanitising - Cross Site Scripting (XSS)</a:t>
+              <a:t>Sanitise - Cross Site Scripting (XSS)</a:t>
             </a:r>
           </a:p>
         </p:txBody>
@@ -11791,7 +11734,7 @@
       </p:grpSpPr>
       <p:sp>
         <p:nvSpPr>
-          <p:cNvPr id="180" name="Sanitising - CSRF cookie access option 1"/>
+          <p:cNvPr id="180" name="Sanitise - CSRF cookie access ( method 1 )"/>
           <p:cNvSpPr txBox="1"/>
           <p:nvPr>
             <p:ph type="body" sz="quarter" idx="1"/>
@@ -11830,7 +11773,7 @@
           <a:p>
             <a:pPr/>
             <a:r>
-              <a:t>Sanitising - CSRF cookie access option 1</a:t>
+              <a:t>Sanitise - CSRF cookie access ( method 1 )</a:t>
             </a:r>
           </a:p>
         </p:txBody>
@@ -12495,7 +12438,7 @@
       </p:grpSpPr>
       <p:sp>
         <p:nvSpPr>
-          <p:cNvPr id="186" name="Sanitising - CSRF cookie access option 2"/>
+          <p:cNvPr id="186" name="Sanitise - CSRF cookie access ( method 2 )"/>
           <p:cNvSpPr txBox="1"/>
           <p:nvPr>
             <p:ph type="body" sz="quarter" idx="1"/>
@@ -12534,7 +12477,7 @@
           <a:p>
             <a:pPr/>
             <a:r>
-              <a:t>Sanitising - CSRF cookie access option 2</a:t>
+              <a:t>Sanitise - CSRF cookie access ( method 2 )</a:t>
             </a:r>
           </a:p>
         </p:txBody>
@@ -13638,7 +13581,7 @@
               <a:t>session-id</a:t>
             </a:r>
             <a:r>
-              <a:t>;" http://localhost/session/index.php</a:t>
+              <a:t>;” http://localhost/session/index.php</a:t>
             </a:r>
           </a:p>
           <a:p>

--- a/PHP-Session-beyond-$_SESSION.pptx
+++ b/PHP-Session-beyond-$_SESSION.pptx
@@ -5929,7 +5929,7 @@
               </a:defRPr>
             </a:pPr>
             <a:r>
-              <a:t>Read</a:t>
+              <a:t>Read (Un-serialise data to load $_SESSION)</a:t>
             </a:r>
           </a:p>
           <a:p>
@@ -5971,25 +5971,9 @@
             <a:r>
               <a:t>Write</a:t>
             </a:r>
-          </a:p>
-          <a:p>
-            <a:pPr lvl="2" marL="1499616" indent="-499872" algn="l" defTabSz="1999437">
-              <a:lnSpc>
-                <a:spcPct val="40000"/>
-              </a:lnSpc>
-              <a:spcBef>
-                <a:spcPts val="3600"/>
-              </a:spcBef>
-              <a:buSzPct val="123000"/>
-              <a:buChar char="•"/>
-              <a:defRPr sz="3000">
-                <a:solidFill>
-                  <a:srgbClr val="535353"/>
-                </a:solidFill>
-              </a:defRPr>
-            </a:pPr>
-            <a:r>
-              <a:t>Serialise $_SESSION to save</a:t>
+            <a:r>
+              <a:rPr b="0"/>
+              <a:t> (Serialise $_SESSION and save data)</a:t>
             </a:r>
           </a:p>
           <a:p>
@@ -6149,7 +6133,7 @@
               </a:defRPr>
             </a:pPr>
             <a:r>
-              <a:t>Read</a:t>
+              <a:t>Read (Un-serialise data to load $_SESSION)</a:t>
             </a:r>
           </a:p>
           <a:p>
